--- a/CxCLI/bin/Debug/20190415_CxCLI_Setup.pptx
+++ b/CxCLI/bin/Debug/20190415_CxCLI_Setup.pptx
@@ -108,6 +108,11 @@
       </a:defRPr>
     </a:lvl9pPr>
   </p:defaultTextStyle>
+  <p:extLst>
+    <p:ext uri="{EFAFB233-063F-42B5-8137-9DF3F51BA10A}">
+      <p15:sldGuideLst xmlns:p15="http://schemas.microsoft.com/office/powerpoint/2012/main"/>
+    </p:ext>
+  </p:extLst>
 </p:presentation>
 </file>
 
@@ -242,7 +247,7 @@
           <a:p>
             <a:fld id="{7862EF21-263D-45E7-B30D-B6360E333148}" type="datetimeFigureOut">
               <a:rPr lang="en-US" smtClean="0"/>
-              <a:t>4/14/2019</a:t>
+              <a:t>4/23/2019</a:t>
             </a:fld>
             <a:endParaRPr lang="en-US"/>
           </a:p>
@@ -412,7 +417,7 @@
           <a:p>
             <a:fld id="{7862EF21-263D-45E7-B30D-B6360E333148}" type="datetimeFigureOut">
               <a:rPr lang="en-US" smtClean="0"/>
-              <a:t>4/14/2019</a:t>
+              <a:t>4/23/2019</a:t>
             </a:fld>
             <a:endParaRPr lang="en-US"/>
           </a:p>
@@ -592,7 +597,7 @@
           <a:p>
             <a:fld id="{7862EF21-263D-45E7-B30D-B6360E333148}" type="datetimeFigureOut">
               <a:rPr lang="en-US" smtClean="0"/>
-              <a:t>4/14/2019</a:t>
+              <a:t>4/23/2019</a:t>
             </a:fld>
             <a:endParaRPr lang="en-US"/>
           </a:p>
@@ -762,7 +767,7 @@
           <a:p>
             <a:fld id="{7862EF21-263D-45E7-B30D-B6360E333148}" type="datetimeFigureOut">
               <a:rPr lang="en-US" smtClean="0"/>
-              <a:t>4/14/2019</a:t>
+              <a:t>4/23/2019</a:t>
             </a:fld>
             <a:endParaRPr lang="en-US"/>
           </a:p>
@@ -1006,7 +1011,7 @@
           <a:p>
             <a:fld id="{7862EF21-263D-45E7-B30D-B6360E333148}" type="datetimeFigureOut">
               <a:rPr lang="en-US" smtClean="0"/>
-              <a:t>4/14/2019</a:t>
+              <a:t>4/23/2019</a:t>
             </a:fld>
             <a:endParaRPr lang="en-US"/>
           </a:p>
@@ -1238,7 +1243,7 @@
           <a:p>
             <a:fld id="{7862EF21-263D-45E7-B30D-B6360E333148}" type="datetimeFigureOut">
               <a:rPr lang="en-US" smtClean="0"/>
-              <a:t>4/14/2019</a:t>
+              <a:t>4/23/2019</a:t>
             </a:fld>
             <a:endParaRPr lang="en-US"/>
           </a:p>
@@ -1605,7 +1610,7 @@
           <a:p>
             <a:fld id="{7862EF21-263D-45E7-B30D-B6360E333148}" type="datetimeFigureOut">
               <a:rPr lang="en-US" smtClean="0"/>
-              <a:t>4/14/2019</a:t>
+              <a:t>4/23/2019</a:t>
             </a:fld>
             <a:endParaRPr lang="en-US"/>
           </a:p>
@@ -1723,7 +1728,7 @@
           <a:p>
             <a:fld id="{7862EF21-263D-45E7-B30D-B6360E333148}" type="datetimeFigureOut">
               <a:rPr lang="en-US" smtClean="0"/>
-              <a:t>4/14/2019</a:t>
+              <a:t>4/23/2019</a:t>
             </a:fld>
             <a:endParaRPr lang="en-US"/>
           </a:p>
@@ -1818,7 +1823,7 @@
           <a:p>
             <a:fld id="{7862EF21-263D-45E7-B30D-B6360E333148}" type="datetimeFigureOut">
               <a:rPr lang="en-US" smtClean="0"/>
-              <a:t>4/14/2019</a:t>
+              <a:t>4/23/2019</a:t>
             </a:fld>
             <a:endParaRPr lang="en-US"/>
           </a:p>
@@ -2095,7 +2100,7 @@
           <a:p>
             <a:fld id="{7862EF21-263D-45E7-B30D-B6360E333148}" type="datetimeFigureOut">
               <a:rPr lang="en-US" smtClean="0"/>
-              <a:t>4/14/2019</a:t>
+              <a:t>4/23/2019</a:t>
             </a:fld>
             <a:endParaRPr lang="en-US"/>
           </a:p>
@@ -2352,7 +2357,7 @@
           <a:p>
             <a:fld id="{7862EF21-263D-45E7-B30D-B6360E333148}" type="datetimeFigureOut">
               <a:rPr lang="en-US" smtClean="0"/>
-              <a:t>4/14/2019</a:t>
+              <a:t>4/23/2019</a:t>
             </a:fld>
             <a:endParaRPr lang="en-US"/>
           </a:p>
@@ -2565,7 +2570,7 @@
           <a:p>
             <a:fld id="{7862EF21-263D-45E7-B30D-B6360E333148}" type="datetimeFigureOut">
               <a:rPr lang="en-US" smtClean="0"/>
-              <a:t>4/14/2019</a:t>
+              <a:t>4/23/2019</a:t>
             </a:fld>
             <a:endParaRPr lang="en-US"/>
           </a:p>
@@ -2984,7 +2989,7 @@
         </p:nvSpPr>
         <p:spPr>
           <a:xfrm>
-            <a:off x="1000986" y="5657094"/>
+            <a:off x="631923" y="5669709"/>
             <a:ext cx="4859856" cy="707886"/>
           </a:xfrm>
           <a:prstGeom prst="rect">
@@ -3013,7 +3018,21 @@
                 <a:latin typeface="Arabic Typesetting" panose="020B0604020202020204" pitchFamily="66" charset="-78"/>
                 <a:cs typeface="Arabic Typesetting" panose="020B0604020202020204" pitchFamily="66" charset="-78"/>
               </a:rPr>
-              <a:t>c:\CxCLI&gt;cxcli encrypttext=yourpassword</a:t>
+              <a:t>c:\CxCLI&gt;cxcli </a:t>
+            </a:r>
+            <a:r>
+              <a:rPr lang="en-US" sz="2000" dirty="0" err="1">
+                <a:latin typeface="Arabic Typesetting" panose="020B0604020202020204" pitchFamily="66" charset="-78"/>
+                <a:cs typeface="Arabic Typesetting" panose="020B0604020202020204" pitchFamily="66" charset="-78"/>
+              </a:rPr>
+              <a:t>encrypttext</a:t>
+            </a:r>
+            <a:r>
+              <a:rPr lang="en-US" sz="2000" dirty="0">
+                <a:latin typeface="Arabic Typesetting" panose="020B0604020202020204" pitchFamily="66" charset="-78"/>
+                <a:cs typeface="Arabic Typesetting" panose="020B0604020202020204" pitchFamily="66" charset="-78"/>
+              </a:rPr>
+              <a:t> text=yourpassword</a:t>
             </a:r>
           </a:p>
           <a:p>
